--- a/Thermo 2022 (Neshyba)/Lectures/Week 4 - Internal energy, U/Week 4.2 - Visualizing U(T,V).pptx
+++ b/Thermo 2022 (Neshyba)/Lectures/Week 4 - Internal energy, U/Week 4.2 - Visualizing U(T,V).pptx
@@ -111,6 +111,11 @@
       </a:defRPr>
     </a:lvl9pPr>
   </p:defaultTextStyle>
+  <p:extLst>
+    <p:ext uri="{EFAFB233-063F-42B5-8137-9DF3F51BA10A}">
+      <p15:sldGuideLst xmlns:p15="http://schemas.microsoft.com/office/powerpoint/2012/main"/>
+    </p:ext>
+  </p:extLst>
 </p:presentation>
 </file>
 
@@ -261,7 +266,7 @@
           <a:p>
             <a:fld id="{C6031F02-CAD3-B546-ADDE-EAE94A8ECB3D}" type="datetimeFigureOut">
               <a:rPr lang="en-US" smtClean="0"/>
-              <a:t>9/19/21</a:t>
+              <a:t>9/17/22</a:t>
             </a:fld>
             <a:endParaRPr lang="en-US"/>
           </a:p>
@@ -459,7 +464,7 @@
           <a:p>
             <a:fld id="{C6031F02-CAD3-B546-ADDE-EAE94A8ECB3D}" type="datetimeFigureOut">
               <a:rPr lang="en-US" smtClean="0"/>
-              <a:t>9/19/21</a:t>
+              <a:t>9/17/22</a:t>
             </a:fld>
             <a:endParaRPr lang="en-US"/>
           </a:p>
@@ -667,7 +672,7 @@
           <a:p>
             <a:fld id="{C6031F02-CAD3-B546-ADDE-EAE94A8ECB3D}" type="datetimeFigureOut">
               <a:rPr lang="en-US" smtClean="0"/>
-              <a:t>9/19/21</a:t>
+              <a:t>9/17/22</a:t>
             </a:fld>
             <a:endParaRPr lang="en-US"/>
           </a:p>
@@ -865,7 +870,7 @@
           <a:p>
             <a:fld id="{C6031F02-CAD3-B546-ADDE-EAE94A8ECB3D}" type="datetimeFigureOut">
               <a:rPr lang="en-US" smtClean="0"/>
-              <a:t>9/19/21</a:t>
+              <a:t>9/17/22</a:t>
             </a:fld>
             <a:endParaRPr lang="en-US"/>
           </a:p>
@@ -1140,7 +1145,7 @@
           <a:p>
             <a:fld id="{C6031F02-CAD3-B546-ADDE-EAE94A8ECB3D}" type="datetimeFigureOut">
               <a:rPr lang="en-US" smtClean="0"/>
-              <a:t>9/19/21</a:t>
+              <a:t>9/17/22</a:t>
             </a:fld>
             <a:endParaRPr lang="en-US"/>
           </a:p>
@@ -1405,7 +1410,7 @@
           <a:p>
             <a:fld id="{C6031F02-CAD3-B546-ADDE-EAE94A8ECB3D}" type="datetimeFigureOut">
               <a:rPr lang="en-US" smtClean="0"/>
-              <a:t>9/19/21</a:t>
+              <a:t>9/17/22</a:t>
             </a:fld>
             <a:endParaRPr lang="en-US"/>
           </a:p>
@@ -1817,7 +1822,7 @@
           <a:p>
             <a:fld id="{C6031F02-CAD3-B546-ADDE-EAE94A8ECB3D}" type="datetimeFigureOut">
               <a:rPr lang="en-US" smtClean="0"/>
-              <a:t>9/19/21</a:t>
+              <a:t>9/17/22</a:t>
             </a:fld>
             <a:endParaRPr lang="en-US"/>
           </a:p>
@@ -1958,7 +1963,7 @@
           <a:p>
             <a:fld id="{C6031F02-CAD3-B546-ADDE-EAE94A8ECB3D}" type="datetimeFigureOut">
               <a:rPr lang="en-US" smtClean="0"/>
-              <a:t>9/19/21</a:t>
+              <a:t>9/17/22</a:t>
             </a:fld>
             <a:endParaRPr lang="en-US"/>
           </a:p>
@@ -2071,7 +2076,7 @@
           <a:p>
             <a:fld id="{C6031F02-CAD3-B546-ADDE-EAE94A8ECB3D}" type="datetimeFigureOut">
               <a:rPr lang="en-US" smtClean="0"/>
-              <a:t>9/19/21</a:t>
+              <a:t>9/17/22</a:t>
             </a:fld>
             <a:endParaRPr lang="en-US"/>
           </a:p>
@@ -2382,7 +2387,7 @@
           <a:p>
             <a:fld id="{C6031F02-CAD3-B546-ADDE-EAE94A8ECB3D}" type="datetimeFigureOut">
               <a:rPr lang="en-US" smtClean="0"/>
-              <a:t>9/19/21</a:t>
+              <a:t>9/17/22</a:t>
             </a:fld>
             <a:endParaRPr lang="en-US"/>
           </a:p>
@@ -2670,7 +2675,7 @@
           <a:p>
             <a:fld id="{C6031F02-CAD3-B546-ADDE-EAE94A8ECB3D}" type="datetimeFigureOut">
               <a:rPr lang="en-US" smtClean="0"/>
-              <a:t>9/19/21</a:t>
+              <a:t>9/17/22</a:t>
             </a:fld>
             <a:endParaRPr lang="en-US"/>
           </a:p>
@@ -2911,7 +2916,7 @@
           <a:p>
             <a:fld id="{C6031F02-CAD3-B546-ADDE-EAE94A8ECB3D}" type="datetimeFigureOut">
               <a:rPr lang="en-US" smtClean="0"/>
-              <a:t>9/19/21</a:t>
+              <a:t>9/17/22</a:t>
             </a:fld>
             <a:endParaRPr lang="en-US"/>
           </a:p>
@@ -4041,10 +4046,10 @@
           </p:nvGrpSpPr>
           <p:grpSpPr>
             <a:xfrm>
-              <a:off x="4732591" y="3939115"/>
-              <a:ext cx="4744634" cy="1218364"/>
-              <a:chOff x="4732591" y="3939115"/>
-              <a:chExt cx="4744634" cy="1218364"/>
+              <a:off x="4732590" y="3939115"/>
+              <a:ext cx="4744635" cy="1218364"/>
+              <a:chOff x="4732590" y="3939115"/>
+              <a:chExt cx="4744635" cy="1218364"/>
             </a:xfrm>
           </p:grpSpPr>
           <mc:AlternateContent xmlns:mc="http://schemas.openxmlformats.org/markup-compatibility/2006">
@@ -4339,8 +4344,8 @@
               <a:chExt cx="3619956" cy="1176726"/>
             </a:xfrm>
           </p:grpSpPr>
-          <mc:AlternateContent xmlns:mc="http://schemas.openxmlformats.org/markup-compatibility/2006">
-            <mc:Choice xmlns:a14="http://schemas.microsoft.com/office/drawing/2010/main" Requires="a14">
+          <mc:AlternateContent xmlns:mc="http://schemas.openxmlformats.org/markup-compatibility/2006" xmlns:a14="http://schemas.microsoft.com/office/drawing/2010/main">
+            <mc:Choice Requires="a14">
               <p:sp>
                 <p:nvSpPr>
                   <p:cNvPr id="2" name="Rectangle 1">
@@ -4523,7 +4528,7 @@
                 </p:txBody>
               </p:sp>
             </mc:Choice>
-            <mc:Fallback>
+            <mc:Fallback xmlns="">
               <p:sp>
                 <p:nvSpPr>
                   <p:cNvPr id="2" name="Rectangle 1">
@@ -4644,183 +4649,6 @@
           <a:chExt cx="0" cy="0"/>
         </a:xfrm>
       </p:grpSpPr>
-      <p:grpSp>
-        <p:nvGrpSpPr>
-          <p:cNvPr id="45" name="Group 44">
-            <a:extLst>
-              <a:ext uri="{FF2B5EF4-FFF2-40B4-BE49-F238E27FC236}">
-                <a16:creationId xmlns:a16="http://schemas.microsoft.com/office/drawing/2014/main" id="{44EAD6C0-F915-3049-9890-FF5389C306BB}"/>
-              </a:ext>
-            </a:extLst>
-          </p:cNvPr>
-          <p:cNvGrpSpPr/>
-          <p:nvPr/>
-        </p:nvGrpSpPr>
-        <p:grpSpPr>
-          <a:xfrm>
-            <a:off x="2566540" y="5150061"/>
-            <a:ext cx="7058920" cy="1363770"/>
-            <a:chOff x="967826" y="4898452"/>
-            <a:chExt cx="7058920" cy="1363770"/>
-          </a:xfrm>
-        </p:grpSpPr>
-        <p:sp>
-          <p:nvSpPr>
-            <p:cNvPr id="46" name="Rectangle 45">
-              <a:extLst>
-                <a:ext uri="{FF2B5EF4-FFF2-40B4-BE49-F238E27FC236}">
-                  <a16:creationId xmlns:a16="http://schemas.microsoft.com/office/drawing/2014/main" id="{A5E94A55-4D99-2E4F-9AAC-ED1D54812321}"/>
-                </a:ext>
-              </a:extLst>
-            </p:cNvPr>
-            <p:cNvSpPr/>
-            <p:nvPr/>
-          </p:nvSpPr>
-          <p:spPr>
-            <a:xfrm>
-              <a:off x="1930746" y="4898452"/>
-              <a:ext cx="6096000" cy="461665"/>
-            </a:xfrm>
-            <a:prstGeom prst="rect">
-              <a:avLst/>
-            </a:prstGeom>
-          </p:spPr>
-          <p:txBody>
-            <a:bodyPr>
-              <a:spAutoFit/>
-            </a:bodyPr>
-            <a:lstStyle/>
-            <a:p>
-              <a:r>
-                <a:rPr lang="en-US" sz="2400" i="1" dirty="0"/>
-                <a:t>Isochoric heating experiments</a:t>
-              </a:r>
-              <a:endParaRPr lang="en-US" sz="2400" dirty="0"/>
-            </a:p>
-          </p:txBody>
-        </p:sp>
-        <p:cxnSp>
-          <p:nvCxnSpPr>
-            <p:cNvPr id="47" name="Straight Connector 46">
-              <a:extLst>
-                <a:ext uri="{FF2B5EF4-FFF2-40B4-BE49-F238E27FC236}">
-                  <a16:creationId xmlns:a16="http://schemas.microsoft.com/office/drawing/2014/main" id="{EEFC9DB6-6C1D-F14E-B93B-997E220F2E0A}"/>
-                </a:ext>
-              </a:extLst>
-            </p:cNvPr>
-            <p:cNvCxnSpPr>
-              <a:cxnSpLocks/>
-            </p:cNvCxnSpPr>
-            <p:nvPr/>
-          </p:nvCxnSpPr>
-          <p:spPr>
-            <a:xfrm>
-              <a:off x="967826" y="5139609"/>
-              <a:ext cx="841699" cy="0"/>
-            </a:xfrm>
-            <a:prstGeom prst="line">
-              <a:avLst/>
-            </a:prstGeom>
-            <a:ln w="63500">
-              <a:solidFill>
-                <a:srgbClr val="FF0000"/>
-              </a:solidFill>
-              <a:tailEnd type="triangle"/>
-            </a:ln>
-          </p:spPr>
-          <p:style>
-            <a:lnRef idx="1">
-              <a:schemeClr val="accent1"/>
-            </a:lnRef>
-            <a:fillRef idx="0">
-              <a:schemeClr val="accent1"/>
-            </a:fillRef>
-            <a:effectRef idx="0">
-              <a:schemeClr val="accent1"/>
-            </a:effectRef>
-            <a:fontRef idx="minor">
-              <a:schemeClr val="tx1"/>
-            </a:fontRef>
-          </p:style>
-        </p:cxnSp>
-        <p:cxnSp>
-          <p:nvCxnSpPr>
-            <p:cNvPr id="48" name="Straight Connector 47">
-              <a:extLst>
-                <a:ext uri="{FF2B5EF4-FFF2-40B4-BE49-F238E27FC236}">
-                  <a16:creationId xmlns:a16="http://schemas.microsoft.com/office/drawing/2014/main" id="{C2040445-B6F7-234E-863C-304362C07507}"/>
-                </a:ext>
-              </a:extLst>
-            </p:cNvPr>
-            <p:cNvCxnSpPr/>
-            <p:nvPr/>
-          </p:nvCxnSpPr>
-          <p:spPr>
-            <a:xfrm flipV="1">
-              <a:off x="1125690" y="5851785"/>
-              <a:ext cx="588019" cy="410437"/>
-            </a:xfrm>
-            <a:prstGeom prst="line">
-              <a:avLst/>
-            </a:prstGeom>
-            <a:ln w="63500">
-              <a:solidFill>
-                <a:srgbClr val="FFC000"/>
-              </a:solidFill>
-              <a:tailEnd type="triangle"/>
-            </a:ln>
-          </p:spPr>
-          <p:style>
-            <a:lnRef idx="1">
-              <a:schemeClr val="accent1"/>
-            </a:lnRef>
-            <a:fillRef idx="0">
-              <a:schemeClr val="accent1"/>
-            </a:fillRef>
-            <a:effectRef idx="0">
-              <a:schemeClr val="accent1"/>
-            </a:effectRef>
-            <a:fontRef idx="minor">
-              <a:schemeClr val="tx1"/>
-            </a:fontRef>
-          </p:style>
-        </p:cxnSp>
-        <p:sp>
-          <p:nvSpPr>
-            <p:cNvPr id="49" name="Rectangle 48">
-              <a:extLst>
-                <a:ext uri="{FF2B5EF4-FFF2-40B4-BE49-F238E27FC236}">
-                  <a16:creationId xmlns:a16="http://schemas.microsoft.com/office/drawing/2014/main" id="{850DB577-DD8B-3142-8EE3-778A50754970}"/>
-                </a:ext>
-              </a:extLst>
-            </p:cNvPr>
-            <p:cNvSpPr/>
-            <p:nvPr/>
-          </p:nvSpPr>
-          <p:spPr>
-            <a:xfrm>
-              <a:off x="1930746" y="5675627"/>
-              <a:ext cx="6096000" cy="461665"/>
-            </a:xfrm>
-            <a:prstGeom prst="rect">
-              <a:avLst/>
-            </a:prstGeom>
-          </p:spPr>
-          <p:txBody>
-            <a:bodyPr>
-              <a:spAutoFit/>
-            </a:bodyPr>
-            <a:lstStyle/>
-            <a:p>
-              <a:r>
-                <a:rPr lang="en-US" sz="2400" i="1" dirty="0"/>
-                <a:t>Isothermal expansion experiments</a:t>
-              </a:r>
-              <a:endParaRPr lang="en-US" sz="2400" dirty="0"/>
-            </a:p>
-          </p:txBody>
-        </p:sp>
-      </p:grpSp>
       <p:grpSp>
         <p:nvGrpSpPr>
           <p:cNvPr id="52" name="Group 51">
@@ -4959,8 +4787,8 @@
             </a:fontRef>
           </p:style>
         </p:cxnSp>
-        <mc:AlternateContent xmlns:mc="http://schemas.openxmlformats.org/markup-compatibility/2006">
-          <mc:Choice xmlns:a14="http://schemas.microsoft.com/office/drawing/2010/main" Requires="a14">
+        <mc:AlternateContent xmlns:mc="http://schemas.openxmlformats.org/markup-compatibility/2006" xmlns:a14="http://schemas.microsoft.com/office/drawing/2010/main">
+          <mc:Choice Requires="a14">
             <p:sp>
               <p:nvSpPr>
                 <p:cNvPr id="50" name="Rectangle 49">
@@ -4988,6 +4816,7 @@
                 </a:bodyPr>
                 <a:lstStyle/>
                 <a:p>
+                  <a:pPr/>
                   <a14:m>
                     <m:oMathPara xmlns:m="http://schemas.openxmlformats.org/officeDocument/2006/math">
                       <m:oMathParaPr>
@@ -5037,7 +4866,7 @@
               </p:txBody>
             </p:sp>
           </mc:Choice>
-          <mc:Fallback>
+          <mc:Fallback xmlns="">
             <p:sp>
               <p:nvSpPr>
                 <p:cNvPr id="50" name="Rectangle 49">
@@ -5082,8 +4911,8 @@
             </p:sp>
           </mc:Fallback>
         </mc:AlternateContent>
-        <mc:AlternateContent xmlns:mc="http://schemas.openxmlformats.org/markup-compatibility/2006">
-          <mc:Choice xmlns:a14="http://schemas.microsoft.com/office/drawing/2010/main" Requires="a14">
+        <mc:AlternateContent xmlns:mc="http://schemas.openxmlformats.org/markup-compatibility/2006" xmlns:a14="http://schemas.microsoft.com/office/drawing/2010/main">
+          <mc:Choice Requires="a14">
             <p:sp>
               <p:nvSpPr>
                 <p:cNvPr id="51" name="Rectangle 50">
@@ -5111,6 +4940,7 @@
                 </a:bodyPr>
                 <a:lstStyle/>
                 <a:p>
+                  <a:pPr/>
                   <a14:m>
                     <m:oMathPara xmlns:m="http://schemas.openxmlformats.org/officeDocument/2006/math">
                       <m:oMathParaPr>
@@ -5159,7 +4989,7 @@
               </p:txBody>
             </p:sp>
           </mc:Choice>
-          <mc:Fallback>
+          <mc:Fallback xmlns="">
             <p:sp>
               <p:nvSpPr>
                 <p:cNvPr id="51" name="Rectangle 50">
@@ -5205,8 +5035,8 @@
           </mc:Fallback>
         </mc:AlternateContent>
       </p:grpSp>
-      <mc:AlternateContent xmlns:mc="http://schemas.openxmlformats.org/markup-compatibility/2006">
-        <mc:Choice xmlns:a14="http://schemas.microsoft.com/office/drawing/2010/main" Requires="a14">
+      <mc:AlternateContent xmlns:mc="http://schemas.openxmlformats.org/markup-compatibility/2006" xmlns:a14="http://schemas.microsoft.com/office/drawing/2010/main">
+        <mc:Choice Requires="a14">
           <p:sp>
             <p:nvSpPr>
               <p:cNvPr id="10" name="TextBox 9">
@@ -5284,7 +5114,7 @@
             </p:txBody>
           </p:sp>
         </mc:Choice>
-        <mc:Fallback>
+        <mc:Fallback xmlns="">
           <p:sp>
             <p:nvSpPr>
               <p:cNvPr id="10" name="TextBox 9">
@@ -5329,6 +5159,206 @@
           </p:sp>
         </mc:Fallback>
       </mc:AlternateContent>
+      <p:grpSp>
+        <p:nvGrpSpPr>
+          <p:cNvPr id="6" name="Group 5">
+            <a:extLst>
+              <a:ext uri="{FF2B5EF4-FFF2-40B4-BE49-F238E27FC236}">
+                <a16:creationId xmlns:a16="http://schemas.microsoft.com/office/drawing/2014/main" id="{1AC58A30-4C8E-7C85-242B-D340A7E3EC14}"/>
+              </a:ext>
+            </a:extLst>
+          </p:cNvPr>
+          <p:cNvGrpSpPr/>
+          <p:nvPr/>
+        </p:nvGrpSpPr>
+        <p:grpSpPr>
+          <a:xfrm>
+            <a:off x="7189340" y="4181386"/>
+            <a:ext cx="3702607" cy="1146601"/>
+            <a:chOff x="967826" y="4898452"/>
+            <a:chExt cx="3702607" cy="1146601"/>
+          </a:xfrm>
+        </p:grpSpPr>
+        <p:sp>
+          <p:nvSpPr>
+            <p:cNvPr id="7" name="Rectangle 6">
+              <a:extLst>
+                <a:ext uri="{FF2B5EF4-FFF2-40B4-BE49-F238E27FC236}">
+                  <a16:creationId xmlns:a16="http://schemas.microsoft.com/office/drawing/2014/main" id="{21E992CF-FB90-BC78-EC3E-4D866E5777A0}"/>
+                </a:ext>
+              </a:extLst>
+            </p:cNvPr>
+            <p:cNvSpPr/>
+            <p:nvPr/>
+          </p:nvSpPr>
+          <p:spPr>
+            <a:xfrm>
+              <a:off x="1181534" y="5214056"/>
+              <a:ext cx="3488899" cy="830997"/>
+            </a:xfrm>
+            <a:prstGeom prst="rect">
+              <a:avLst/>
+            </a:prstGeom>
+          </p:spPr>
+          <p:txBody>
+            <a:bodyPr wrap="square">
+              <a:spAutoFit/>
+            </a:bodyPr>
+            <a:lstStyle/>
+            <a:p>
+              <a:r>
+                <a:rPr lang="en-US" sz="2400" i="1" dirty="0"/>
+                <a:t>Isochoric heating experiment</a:t>
+              </a:r>
+              <a:endParaRPr lang="en-US" sz="2400" dirty="0"/>
+            </a:p>
+          </p:txBody>
+        </p:sp>
+        <p:cxnSp>
+          <p:nvCxnSpPr>
+            <p:cNvPr id="8" name="Straight Connector 7">
+              <a:extLst>
+                <a:ext uri="{FF2B5EF4-FFF2-40B4-BE49-F238E27FC236}">
+                  <a16:creationId xmlns:a16="http://schemas.microsoft.com/office/drawing/2014/main" id="{9A97ABD7-41F2-8862-7207-5CAE1F79E1B5}"/>
+                </a:ext>
+              </a:extLst>
+            </p:cNvPr>
+            <p:cNvCxnSpPr>
+              <a:cxnSpLocks/>
+            </p:cNvCxnSpPr>
+            <p:nvPr/>
+          </p:nvCxnSpPr>
+          <p:spPr>
+            <a:xfrm flipV="1">
+              <a:off x="967826" y="4898452"/>
+              <a:ext cx="745883" cy="241157"/>
+            </a:xfrm>
+            <a:prstGeom prst="line">
+              <a:avLst/>
+            </a:prstGeom>
+            <a:ln w="63500">
+              <a:solidFill>
+                <a:srgbClr val="FF0000"/>
+              </a:solidFill>
+              <a:tailEnd type="triangle"/>
+            </a:ln>
+          </p:spPr>
+          <p:style>
+            <a:lnRef idx="1">
+              <a:schemeClr val="accent1"/>
+            </a:lnRef>
+            <a:fillRef idx="0">
+              <a:schemeClr val="accent1"/>
+            </a:fillRef>
+            <a:effectRef idx="0">
+              <a:schemeClr val="accent1"/>
+            </a:effectRef>
+            <a:fontRef idx="minor">
+              <a:schemeClr val="tx1"/>
+            </a:fontRef>
+          </p:style>
+        </p:cxnSp>
+      </p:grpSp>
+      <p:grpSp>
+        <p:nvGrpSpPr>
+          <p:cNvPr id="45" name="Group 44">
+            <a:extLst>
+              <a:ext uri="{FF2B5EF4-FFF2-40B4-BE49-F238E27FC236}">
+                <a16:creationId xmlns:a16="http://schemas.microsoft.com/office/drawing/2014/main" id="{44EAD6C0-F915-3049-9890-FF5389C306BB}"/>
+              </a:ext>
+            </a:extLst>
+          </p:cNvPr>
+          <p:cNvGrpSpPr/>
+          <p:nvPr/>
+        </p:nvGrpSpPr>
+        <p:grpSpPr>
+          <a:xfrm>
+            <a:off x="1300053" y="4694989"/>
+            <a:ext cx="4053575" cy="1049686"/>
+            <a:chOff x="-193397" y="5261759"/>
+            <a:chExt cx="4053575" cy="1049686"/>
+          </a:xfrm>
+        </p:grpSpPr>
+        <p:cxnSp>
+          <p:nvCxnSpPr>
+            <p:cNvPr id="48" name="Straight Connector 47">
+              <a:extLst>
+                <a:ext uri="{FF2B5EF4-FFF2-40B4-BE49-F238E27FC236}">
+                  <a16:creationId xmlns:a16="http://schemas.microsoft.com/office/drawing/2014/main" id="{C2040445-B6F7-234E-863C-304362C07507}"/>
+                </a:ext>
+              </a:extLst>
+            </p:cNvPr>
+            <p:cNvCxnSpPr>
+              <a:cxnSpLocks/>
+            </p:cNvCxnSpPr>
+            <p:nvPr/>
+          </p:nvCxnSpPr>
+          <p:spPr>
+            <a:xfrm flipH="1" flipV="1">
+              <a:off x="1379572" y="5261759"/>
+              <a:ext cx="598463" cy="247786"/>
+            </a:xfrm>
+            <a:prstGeom prst="line">
+              <a:avLst/>
+            </a:prstGeom>
+            <a:ln w="63500">
+              <a:solidFill>
+                <a:srgbClr val="FFC000"/>
+              </a:solidFill>
+              <a:tailEnd type="triangle"/>
+            </a:ln>
+          </p:spPr>
+          <p:style>
+            <a:lnRef idx="1">
+              <a:schemeClr val="accent1"/>
+            </a:lnRef>
+            <a:fillRef idx="0">
+              <a:schemeClr val="accent1"/>
+            </a:fillRef>
+            <a:effectRef idx="0">
+              <a:schemeClr val="accent1"/>
+            </a:effectRef>
+            <a:fontRef idx="minor">
+              <a:schemeClr val="tx1"/>
+            </a:fontRef>
+          </p:style>
+        </p:cxnSp>
+        <p:sp>
+          <p:nvSpPr>
+            <p:cNvPr id="49" name="Rectangle 48">
+              <a:extLst>
+                <a:ext uri="{FF2B5EF4-FFF2-40B4-BE49-F238E27FC236}">
+                  <a16:creationId xmlns:a16="http://schemas.microsoft.com/office/drawing/2014/main" id="{850DB577-DD8B-3142-8EE3-778A50754970}"/>
+                </a:ext>
+              </a:extLst>
+            </p:cNvPr>
+            <p:cNvSpPr/>
+            <p:nvPr/>
+          </p:nvSpPr>
+          <p:spPr>
+            <a:xfrm>
+              <a:off x="-193397" y="5480448"/>
+              <a:ext cx="4053575" cy="830997"/>
+            </a:xfrm>
+            <a:prstGeom prst="rect">
+              <a:avLst/>
+            </a:prstGeom>
+          </p:spPr>
+          <p:txBody>
+            <a:bodyPr wrap="square">
+              <a:spAutoFit/>
+            </a:bodyPr>
+            <a:lstStyle/>
+            <a:p>
+              <a:r>
+                <a:rPr lang="en-US" sz="2400" i="1" dirty="0"/>
+                <a:t>Isothermal expansion experiment</a:t>
+              </a:r>
+              <a:endParaRPr lang="en-US" sz="2400" dirty="0"/>
+            </a:p>
+          </p:txBody>
+        </p:sp>
+      </p:grpSp>
     </p:spTree>
     <p:extLst>
       <p:ext uri="{BB962C8B-B14F-4D97-AF65-F5344CB8AC3E}">
@@ -5359,8 +5389,8 @@
           <a:chExt cx="0" cy="0"/>
         </a:xfrm>
       </p:grpSpPr>
-      <mc:AlternateContent xmlns:mc="http://schemas.openxmlformats.org/markup-compatibility/2006">
-        <mc:Choice xmlns:a14="http://schemas.microsoft.com/office/drawing/2010/main" Requires="a14">
+      <mc:AlternateContent xmlns:mc="http://schemas.openxmlformats.org/markup-compatibility/2006" xmlns:a14="http://schemas.microsoft.com/office/drawing/2010/main">
+        <mc:Choice Requires="a14">
           <p:sp>
             <p:nvSpPr>
               <p:cNvPr id="10" name="TextBox 9">
@@ -5437,7 +5467,7 @@
             </p:txBody>
           </p:sp>
         </mc:Choice>
-        <mc:Fallback>
+        <mc:Fallback xmlns="">
           <p:sp>
             <p:nvSpPr>
               <p:cNvPr id="10" name="TextBox 9">
@@ -5542,8 +5572,8 @@
           <a:chExt cx="0" cy="0"/>
         </a:xfrm>
       </p:grpSpPr>
-      <mc:AlternateContent xmlns:mc="http://schemas.openxmlformats.org/markup-compatibility/2006">
-        <mc:Choice xmlns:a14="http://schemas.microsoft.com/office/drawing/2010/main" Requires="a14">
+      <mc:AlternateContent xmlns:mc="http://schemas.openxmlformats.org/markup-compatibility/2006" xmlns:a14="http://schemas.microsoft.com/office/drawing/2010/main">
+        <mc:Choice Requires="a14">
           <p:sp>
             <p:nvSpPr>
               <p:cNvPr id="10" name="TextBox 9">
@@ -5630,7 +5660,7 @@
             </p:txBody>
           </p:sp>
         </mc:Choice>
-        <mc:Fallback>
+        <mc:Fallback xmlns="">
           <p:sp>
             <p:nvSpPr>
               <p:cNvPr id="10" name="TextBox 9">
@@ -5705,6 +5735,234 @@
           </a:prstGeom>
         </p:spPr>
       </p:pic>
+      <mc:AlternateContent xmlns:mc="http://schemas.openxmlformats.org/markup-compatibility/2006">
+        <mc:Choice xmlns:a14="http://schemas.microsoft.com/office/drawing/2010/main" Requires="a14">
+          <p:sp>
+            <p:nvSpPr>
+              <p:cNvPr id="3" name="Rectangle 2">
+                <a:extLst>
+                  <a:ext uri="{FF2B5EF4-FFF2-40B4-BE49-F238E27FC236}">
+                    <a16:creationId xmlns:a16="http://schemas.microsoft.com/office/drawing/2014/main" id="{35AA87C6-9DB6-68D3-65FA-1926766013D6}"/>
+                  </a:ext>
+                </a:extLst>
+              </p:cNvPr>
+              <p:cNvSpPr/>
+              <p:nvPr/>
+            </p:nvSpPr>
+            <p:spPr>
+              <a:xfrm>
+                <a:off x="9000333" y="729354"/>
+                <a:ext cx="1844287" cy="852669"/>
+              </a:xfrm>
+              <a:prstGeom prst="rect">
+                <a:avLst/>
+              </a:prstGeom>
+            </p:spPr>
+            <p:txBody>
+              <a:bodyPr wrap="none">
+                <a:spAutoFit/>
+              </a:bodyPr>
+              <a:lstStyle/>
+              <a:p>
+                <a:pPr/>
+                <a14:m>
+                  <m:oMathPara xmlns:m="http://schemas.openxmlformats.org/officeDocument/2006/math">
+                    <m:oMathParaPr>
+                      <m:jc m:val="centerGroup"/>
+                    </m:oMathParaPr>
+                    <m:oMath xmlns:m="http://schemas.openxmlformats.org/officeDocument/2006/math">
+                      <m:sSub>
+                        <m:sSubPr>
+                          <m:ctrlPr>
+                            <a:rPr lang="en-US" sz="2400" i="1" smtClean="0">
+                              <a:solidFill>
+                                <a:srgbClr val="7030A0"/>
+                              </a:solidFill>
+                              <a:latin typeface="Cambria Math" panose="02040503050406030204" pitchFamily="18" charset="0"/>
+                            </a:rPr>
+                          </m:ctrlPr>
+                        </m:sSubPr>
+                        <m:e>
+                          <m:sSub>
+                            <m:sSubPr>
+                              <m:ctrlPr>
+                                <a:rPr lang="en-US" sz="2400" i="1">
+                                  <a:solidFill>
+                                    <a:srgbClr val="7030A0"/>
+                                  </a:solidFill>
+                                  <a:latin typeface="Cambria Math" panose="02040503050406030204" pitchFamily="18" charset="0"/>
+                                </a:rPr>
+                              </m:ctrlPr>
+                            </m:sSubPr>
+                            <m:e>
+                              <m:r>
+                                <a:rPr lang="en-US" sz="2400" i="1">
+                                  <a:solidFill>
+                                    <a:srgbClr val="7030A0"/>
+                                  </a:solidFill>
+                                  <a:latin typeface="Cambria Math" panose="02040503050406030204" pitchFamily="18" charset="0"/>
+                                </a:rPr>
+                                <m:t>𝐶</m:t>
+                              </m:r>
+                            </m:e>
+                            <m:sub>
+                              <m:r>
+                                <a:rPr lang="en-US" sz="2400" i="1">
+                                  <a:solidFill>
+                                    <a:srgbClr val="7030A0"/>
+                                  </a:solidFill>
+                                  <a:latin typeface="Cambria Math" panose="02040503050406030204" pitchFamily="18" charset="0"/>
+                                </a:rPr>
+                                <m:t>𝑉</m:t>
+                              </m:r>
+                            </m:sub>
+                          </m:sSub>
+                          <m:r>
+                            <a:rPr lang="en-US" sz="2400" i="1" smtClean="0">
+                              <a:solidFill>
+                                <a:srgbClr val="7030A0"/>
+                              </a:solidFill>
+                              <a:latin typeface="Cambria Math" panose="02040503050406030204" pitchFamily="18" charset="0"/>
+                              <a:ea typeface="Cambria Math" panose="02040503050406030204" pitchFamily="18" charset="0"/>
+                            </a:rPr>
+                            <m:t>≡</m:t>
+                          </m:r>
+                          <m:d>
+                            <m:dPr>
+                              <m:ctrlPr>
+                                <a:rPr lang="en-US" sz="2400" i="1">
+                                  <a:solidFill>
+                                    <a:srgbClr val="7030A0"/>
+                                  </a:solidFill>
+                                  <a:latin typeface="Cambria Math" panose="02040503050406030204" pitchFamily="18" charset="0"/>
+                                </a:rPr>
+                              </m:ctrlPr>
+                            </m:dPr>
+                            <m:e>
+                              <m:f>
+                                <m:fPr>
+                                  <m:ctrlPr>
+                                    <a:rPr lang="en-US" sz="2400" i="1">
+                                      <a:solidFill>
+                                        <a:srgbClr val="7030A0"/>
+                                      </a:solidFill>
+                                      <a:latin typeface="Cambria Math" panose="02040503050406030204" pitchFamily="18" charset="0"/>
+                                    </a:rPr>
+                                  </m:ctrlPr>
+                                </m:fPr>
+                                <m:num>
+                                  <m:r>
+                                    <a:rPr lang="en-US" sz="2400" i="1">
+                                      <a:solidFill>
+                                        <a:srgbClr val="7030A0"/>
+                                      </a:solidFill>
+                                      <a:latin typeface="Cambria Math" panose="02040503050406030204" pitchFamily="18" charset="0"/>
+                                      <a:ea typeface="Cambria Math" panose="02040503050406030204" pitchFamily="18" charset="0"/>
+                                    </a:rPr>
+                                    <m:t>𝜕</m:t>
+                                  </m:r>
+                                  <m:r>
+                                    <a:rPr lang="en-US" sz="2400" i="1">
+                                      <a:solidFill>
+                                        <a:srgbClr val="7030A0"/>
+                                      </a:solidFill>
+                                      <a:latin typeface="Cambria Math" panose="02040503050406030204" pitchFamily="18" charset="0"/>
+                                      <a:ea typeface="Cambria Math" panose="02040503050406030204" pitchFamily="18" charset="0"/>
+                                    </a:rPr>
+                                    <m:t>𝑈</m:t>
+                                  </m:r>
+                                </m:num>
+                                <m:den>
+                                  <m:r>
+                                    <a:rPr lang="en-US" sz="2400" i="1">
+                                      <a:solidFill>
+                                        <a:srgbClr val="7030A0"/>
+                                      </a:solidFill>
+                                      <a:latin typeface="Cambria Math" panose="02040503050406030204" pitchFamily="18" charset="0"/>
+                                      <a:ea typeface="Cambria Math" panose="02040503050406030204" pitchFamily="18" charset="0"/>
+                                    </a:rPr>
+                                    <m:t>𝜕</m:t>
+                                  </m:r>
+                                  <m:r>
+                                    <a:rPr lang="en-US" sz="2400" i="1">
+                                      <a:solidFill>
+                                        <a:srgbClr val="7030A0"/>
+                                      </a:solidFill>
+                                      <a:latin typeface="Cambria Math" panose="02040503050406030204" pitchFamily="18" charset="0"/>
+                                      <a:ea typeface="Cambria Math" panose="02040503050406030204" pitchFamily="18" charset="0"/>
+                                    </a:rPr>
+                                    <m:t>𝑇</m:t>
+                                  </m:r>
+                                </m:den>
+                              </m:f>
+                            </m:e>
+                          </m:d>
+                        </m:e>
+                        <m:sub>
+                          <m:r>
+                            <a:rPr lang="en-US" sz="2400" i="1">
+                              <a:solidFill>
+                                <a:srgbClr val="7030A0"/>
+                              </a:solidFill>
+                              <a:latin typeface="Cambria Math" panose="02040503050406030204" pitchFamily="18" charset="0"/>
+                            </a:rPr>
+                            <m:t>𝑉</m:t>
+                          </m:r>
+                        </m:sub>
+                      </m:sSub>
+                    </m:oMath>
+                  </m:oMathPara>
+                </a14:m>
+                <a:endParaRPr lang="en-US" sz="2400" dirty="0"/>
+              </a:p>
+            </p:txBody>
+          </p:sp>
+        </mc:Choice>
+        <mc:Fallback>
+          <p:sp>
+            <p:nvSpPr>
+              <p:cNvPr id="3" name="Rectangle 2">
+                <a:extLst>
+                  <a:ext uri="{FF2B5EF4-FFF2-40B4-BE49-F238E27FC236}">
+                    <a16:creationId xmlns:a16="http://schemas.microsoft.com/office/drawing/2014/main" id="{35AA87C6-9DB6-68D3-65FA-1926766013D6}"/>
+                  </a:ext>
+                </a:extLst>
+              </p:cNvPr>
+              <p:cNvSpPr>
+                <a:spLocks noRot="1" noChangeAspect="1" noMove="1" noResize="1" noEditPoints="1" noAdjustHandles="1" noChangeArrowheads="1" noChangeShapeType="1" noTextEdit="1"/>
+              </p:cNvSpPr>
+              <p:nvPr/>
+            </p:nvSpPr>
+            <p:spPr>
+              <a:xfrm>
+                <a:off x="9000333" y="729354"/>
+                <a:ext cx="1844287" cy="852669"/>
+              </a:xfrm>
+              <a:prstGeom prst="rect">
+                <a:avLst/>
+              </a:prstGeom>
+              <a:blipFill>
+                <a:blip r:embed="rId4"/>
+                <a:stretch>
+                  <a:fillRect b="-4412"/>
+                </a:stretch>
+              </a:blipFill>
+            </p:spPr>
+            <p:txBody>
+              <a:bodyPr/>
+              <a:lstStyle/>
+              <a:p>
+                <a:r>
+                  <a:rPr lang="en-US">
+                    <a:noFill/>
+                  </a:rPr>
+                  <a:t> </a:t>
+                </a:r>
+              </a:p>
+            </p:txBody>
+          </p:sp>
+        </mc:Fallback>
+      </mc:AlternateContent>
     </p:spTree>
     <p:extLst>
       <p:ext uri="{BB962C8B-B14F-4D97-AF65-F5344CB8AC3E}">
@@ -5735,8 +5993,8 @@
           <a:chExt cx="0" cy="0"/>
         </a:xfrm>
       </p:grpSpPr>
-      <mc:AlternateContent xmlns:mc="http://schemas.openxmlformats.org/markup-compatibility/2006">
-        <mc:Choice xmlns:a14="http://schemas.microsoft.com/office/drawing/2010/main" Requires="a14">
+      <mc:AlternateContent xmlns:mc="http://schemas.openxmlformats.org/markup-compatibility/2006" xmlns:a14="http://schemas.microsoft.com/office/drawing/2010/main">
+        <mc:Choice Requires="a14">
           <p:sp>
             <p:nvSpPr>
               <p:cNvPr id="10" name="TextBox 9">
@@ -5823,7 +6081,7 @@
             </p:txBody>
           </p:sp>
         </mc:Choice>
-        <mc:Fallback>
+        <mc:Fallback xmlns="">
           <p:sp>
             <p:nvSpPr>
               <p:cNvPr id="10" name="TextBox 9">
@@ -5928,6 +6186,234 @@
           </a:prstGeom>
         </p:spPr>
       </p:pic>
+      <mc:AlternateContent xmlns:mc="http://schemas.openxmlformats.org/markup-compatibility/2006">
+        <mc:Choice xmlns:a14="http://schemas.microsoft.com/office/drawing/2010/main" Requires="a14">
+          <p:sp>
+            <p:nvSpPr>
+              <p:cNvPr id="5" name="Rectangle 4">
+                <a:extLst>
+                  <a:ext uri="{FF2B5EF4-FFF2-40B4-BE49-F238E27FC236}">
+                    <a16:creationId xmlns:a16="http://schemas.microsoft.com/office/drawing/2014/main" id="{2964A8E0-AF07-A9DE-6E51-2E98386EEF88}"/>
+                  </a:ext>
+                </a:extLst>
+              </p:cNvPr>
+              <p:cNvSpPr/>
+              <p:nvPr/>
+            </p:nvSpPr>
+            <p:spPr>
+              <a:xfrm>
+                <a:off x="9000333" y="729354"/>
+                <a:ext cx="1844287" cy="852669"/>
+              </a:xfrm>
+              <a:prstGeom prst="rect">
+                <a:avLst/>
+              </a:prstGeom>
+            </p:spPr>
+            <p:txBody>
+              <a:bodyPr wrap="none">
+                <a:spAutoFit/>
+              </a:bodyPr>
+              <a:lstStyle/>
+              <a:p>
+                <a:pPr/>
+                <a14:m>
+                  <m:oMathPara xmlns:m="http://schemas.openxmlformats.org/officeDocument/2006/math">
+                    <m:oMathParaPr>
+                      <m:jc m:val="centerGroup"/>
+                    </m:oMathParaPr>
+                    <m:oMath xmlns:m="http://schemas.openxmlformats.org/officeDocument/2006/math">
+                      <m:sSub>
+                        <m:sSubPr>
+                          <m:ctrlPr>
+                            <a:rPr lang="en-US" sz="2400" i="1" smtClean="0">
+                              <a:solidFill>
+                                <a:srgbClr val="7030A0"/>
+                              </a:solidFill>
+                              <a:latin typeface="Cambria Math" panose="02040503050406030204" pitchFamily="18" charset="0"/>
+                            </a:rPr>
+                          </m:ctrlPr>
+                        </m:sSubPr>
+                        <m:e>
+                          <m:sSub>
+                            <m:sSubPr>
+                              <m:ctrlPr>
+                                <a:rPr lang="en-US" sz="2400" i="1">
+                                  <a:solidFill>
+                                    <a:srgbClr val="7030A0"/>
+                                  </a:solidFill>
+                                  <a:latin typeface="Cambria Math" panose="02040503050406030204" pitchFamily="18" charset="0"/>
+                                </a:rPr>
+                              </m:ctrlPr>
+                            </m:sSubPr>
+                            <m:e>
+                              <m:r>
+                                <a:rPr lang="en-US" sz="2400" i="1">
+                                  <a:solidFill>
+                                    <a:srgbClr val="7030A0"/>
+                                  </a:solidFill>
+                                  <a:latin typeface="Cambria Math" panose="02040503050406030204" pitchFamily="18" charset="0"/>
+                                </a:rPr>
+                                <m:t>𝐶</m:t>
+                              </m:r>
+                            </m:e>
+                            <m:sub>
+                              <m:r>
+                                <a:rPr lang="en-US" sz="2400" i="1">
+                                  <a:solidFill>
+                                    <a:srgbClr val="7030A0"/>
+                                  </a:solidFill>
+                                  <a:latin typeface="Cambria Math" panose="02040503050406030204" pitchFamily="18" charset="0"/>
+                                </a:rPr>
+                                <m:t>𝑉</m:t>
+                              </m:r>
+                            </m:sub>
+                          </m:sSub>
+                          <m:r>
+                            <a:rPr lang="en-US" sz="2400" i="1" smtClean="0">
+                              <a:solidFill>
+                                <a:srgbClr val="7030A0"/>
+                              </a:solidFill>
+                              <a:latin typeface="Cambria Math" panose="02040503050406030204" pitchFamily="18" charset="0"/>
+                              <a:ea typeface="Cambria Math" panose="02040503050406030204" pitchFamily="18" charset="0"/>
+                            </a:rPr>
+                            <m:t>≡</m:t>
+                          </m:r>
+                          <m:d>
+                            <m:dPr>
+                              <m:ctrlPr>
+                                <a:rPr lang="en-US" sz="2400" i="1">
+                                  <a:solidFill>
+                                    <a:srgbClr val="7030A0"/>
+                                  </a:solidFill>
+                                  <a:latin typeface="Cambria Math" panose="02040503050406030204" pitchFamily="18" charset="0"/>
+                                </a:rPr>
+                              </m:ctrlPr>
+                            </m:dPr>
+                            <m:e>
+                              <m:f>
+                                <m:fPr>
+                                  <m:ctrlPr>
+                                    <a:rPr lang="en-US" sz="2400" i="1">
+                                      <a:solidFill>
+                                        <a:srgbClr val="7030A0"/>
+                                      </a:solidFill>
+                                      <a:latin typeface="Cambria Math" panose="02040503050406030204" pitchFamily="18" charset="0"/>
+                                    </a:rPr>
+                                  </m:ctrlPr>
+                                </m:fPr>
+                                <m:num>
+                                  <m:r>
+                                    <a:rPr lang="en-US" sz="2400" i="1">
+                                      <a:solidFill>
+                                        <a:srgbClr val="7030A0"/>
+                                      </a:solidFill>
+                                      <a:latin typeface="Cambria Math" panose="02040503050406030204" pitchFamily="18" charset="0"/>
+                                      <a:ea typeface="Cambria Math" panose="02040503050406030204" pitchFamily="18" charset="0"/>
+                                    </a:rPr>
+                                    <m:t>𝜕</m:t>
+                                  </m:r>
+                                  <m:r>
+                                    <a:rPr lang="en-US" sz="2400" i="1">
+                                      <a:solidFill>
+                                        <a:srgbClr val="7030A0"/>
+                                      </a:solidFill>
+                                      <a:latin typeface="Cambria Math" panose="02040503050406030204" pitchFamily="18" charset="0"/>
+                                      <a:ea typeface="Cambria Math" panose="02040503050406030204" pitchFamily="18" charset="0"/>
+                                    </a:rPr>
+                                    <m:t>𝑈</m:t>
+                                  </m:r>
+                                </m:num>
+                                <m:den>
+                                  <m:r>
+                                    <a:rPr lang="en-US" sz="2400" i="1">
+                                      <a:solidFill>
+                                        <a:srgbClr val="7030A0"/>
+                                      </a:solidFill>
+                                      <a:latin typeface="Cambria Math" panose="02040503050406030204" pitchFamily="18" charset="0"/>
+                                      <a:ea typeface="Cambria Math" panose="02040503050406030204" pitchFamily="18" charset="0"/>
+                                    </a:rPr>
+                                    <m:t>𝜕</m:t>
+                                  </m:r>
+                                  <m:r>
+                                    <a:rPr lang="en-US" sz="2400" i="1">
+                                      <a:solidFill>
+                                        <a:srgbClr val="7030A0"/>
+                                      </a:solidFill>
+                                      <a:latin typeface="Cambria Math" panose="02040503050406030204" pitchFamily="18" charset="0"/>
+                                      <a:ea typeface="Cambria Math" panose="02040503050406030204" pitchFamily="18" charset="0"/>
+                                    </a:rPr>
+                                    <m:t>𝑇</m:t>
+                                  </m:r>
+                                </m:den>
+                              </m:f>
+                            </m:e>
+                          </m:d>
+                        </m:e>
+                        <m:sub>
+                          <m:r>
+                            <a:rPr lang="en-US" sz="2400" i="1">
+                              <a:solidFill>
+                                <a:srgbClr val="7030A0"/>
+                              </a:solidFill>
+                              <a:latin typeface="Cambria Math" panose="02040503050406030204" pitchFamily="18" charset="0"/>
+                            </a:rPr>
+                            <m:t>𝑉</m:t>
+                          </m:r>
+                        </m:sub>
+                      </m:sSub>
+                    </m:oMath>
+                  </m:oMathPara>
+                </a14:m>
+                <a:endParaRPr lang="en-US" sz="2400" dirty="0"/>
+              </a:p>
+            </p:txBody>
+          </p:sp>
+        </mc:Choice>
+        <mc:Fallback>
+          <p:sp>
+            <p:nvSpPr>
+              <p:cNvPr id="5" name="Rectangle 4">
+                <a:extLst>
+                  <a:ext uri="{FF2B5EF4-FFF2-40B4-BE49-F238E27FC236}">
+                    <a16:creationId xmlns:a16="http://schemas.microsoft.com/office/drawing/2014/main" id="{2964A8E0-AF07-A9DE-6E51-2E98386EEF88}"/>
+                  </a:ext>
+                </a:extLst>
+              </p:cNvPr>
+              <p:cNvSpPr>
+                <a:spLocks noRot="1" noChangeAspect="1" noMove="1" noResize="1" noEditPoints="1" noAdjustHandles="1" noChangeArrowheads="1" noChangeShapeType="1" noTextEdit="1"/>
+              </p:cNvSpPr>
+              <p:nvPr/>
+            </p:nvSpPr>
+            <p:spPr>
+              <a:xfrm>
+                <a:off x="9000333" y="729354"/>
+                <a:ext cx="1844287" cy="852669"/>
+              </a:xfrm>
+              <a:prstGeom prst="rect">
+                <a:avLst/>
+              </a:prstGeom>
+              <a:blipFill>
+                <a:blip r:embed="rId5"/>
+                <a:stretch>
+                  <a:fillRect b="-4412"/>
+                </a:stretch>
+              </a:blipFill>
+            </p:spPr>
+            <p:txBody>
+              <a:bodyPr/>
+              <a:lstStyle/>
+              <a:p>
+                <a:r>
+                  <a:rPr lang="en-US">
+                    <a:noFill/>
+                  </a:rPr>
+                  <a:t> </a:t>
+                </a:r>
+              </a:p>
+            </p:txBody>
+          </p:sp>
+        </mc:Fallback>
+      </mc:AlternateContent>
     </p:spTree>
     <p:extLst>
       <p:ext uri="{BB962C8B-B14F-4D97-AF65-F5344CB8AC3E}">
@@ -5958,8 +6444,8 @@
           <a:chExt cx="0" cy="0"/>
         </a:xfrm>
       </p:grpSpPr>
-      <mc:AlternateContent xmlns:mc="http://schemas.openxmlformats.org/markup-compatibility/2006">
-        <mc:Choice xmlns:a14="http://schemas.microsoft.com/office/drawing/2010/main" Requires="a14">
+      <mc:AlternateContent xmlns:mc="http://schemas.openxmlformats.org/markup-compatibility/2006" xmlns:a14="http://schemas.microsoft.com/office/drawing/2010/main">
+        <mc:Choice Requires="a14">
           <p:sp>
             <p:nvSpPr>
               <p:cNvPr id="10" name="TextBox 9">
@@ -6047,7 +6533,7 @@
             </p:txBody>
           </p:sp>
         </mc:Choice>
-        <mc:Fallback>
+        <mc:Fallback xmlns="">
           <p:sp>
             <p:nvSpPr>
               <p:cNvPr id="10" name="TextBox 9">
@@ -6122,6 +6608,236 @@
           </a:prstGeom>
         </p:spPr>
       </p:pic>
+      <mc:AlternateContent xmlns:mc="http://schemas.openxmlformats.org/markup-compatibility/2006">
+        <mc:Choice xmlns:a14="http://schemas.microsoft.com/office/drawing/2010/main" Requires="a14">
+          <p:sp>
+            <p:nvSpPr>
+              <p:cNvPr id="3" name="Rectangle 2">
+                <a:extLst>
+                  <a:ext uri="{FF2B5EF4-FFF2-40B4-BE49-F238E27FC236}">
+                    <a16:creationId xmlns:a16="http://schemas.microsoft.com/office/drawing/2014/main" id="{8160DDE0-D068-BB05-7698-C9AC1D35FBC6}"/>
+                  </a:ext>
+                </a:extLst>
+              </p:cNvPr>
+              <p:cNvSpPr/>
+              <p:nvPr/>
+            </p:nvSpPr>
+            <p:spPr>
+              <a:xfrm>
+                <a:off x="9411042" y="776769"/>
+                <a:ext cx="1866601" cy="850554"/>
+              </a:xfrm>
+              <a:prstGeom prst="rect">
+                <a:avLst/>
+              </a:prstGeom>
+            </p:spPr>
+            <p:txBody>
+              <a:bodyPr wrap="none">
+                <a:spAutoFit/>
+              </a:bodyPr>
+              <a:lstStyle/>
+              <a:p>
+                <a:pPr/>
+                <a14:m>
+                  <m:oMathPara xmlns:m="http://schemas.openxmlformats.org/officeDocument/2006/math">
+                    <m:oMathParaPr>
+                      <m:jc m:val="centerGroup"/>
+                    </m:oMathParaPr>
+                    <m:oMath xmlns:m="http://schemas.openxmlformats.org/officeDocument/2006/math">
+                      <m:sSub>
+                        <m:sSubPr>
+                          <m:ctrlPr>
+                            <a:rPr lang="en-US" sz="2400" i="1">
+                              <a:solidFill>
+                                <a:srgbClr val="7030A0"/>
+                              </a:solidFill>
+                              <a:latin typeface="Cambria Math" panose="02040503050406030204" pitchFamily="18" charset="0"/>
+                            </a:rPr>
+                          </m:ctrlPr>
+                        </m:sSubPr>
+                        <m:e>
+                          <m:r>
+                            <a:rPr lang="en-US" sz="2400" i="1">
+                              <a:solidFill>
+                                <a:srgbClr val="7030A0"/>
+                              </a:solidFill>
+                              <a:latin typeface="Cambria Math" panose="02040503050406030204" pitchFamily="18" charset="0"/>
+                              <a:ea typeface="Cambria Math" panose="02040503050406030204" pitchFamily="18" charset="0"/>
+                            </a:rPr>
+                            <m:t>𝜋</m:t>
+                          </m:r>
+                        </m:e>
+                        <m:sub>
+                          <m:r>
+                            <a:rPr lang="en-US" sz="2400" i="1">
+                              <a:solidFill>
+                                <a:srgbClr val="7030A0"/>
+                              </a:solidFill>
+                              <a:latin typeface="Cambria Math" panose="02040503050406030204" pitchFamily="18" charset="0"/>
+                            </a:rPr>
+                            <m:t>𝑇</m:t>
+                          </m:r>
+                        </m:sub>
+                      </m:sSub>
+                      <m:r>
+                        <a:rPr lang="en-US" sz="2400" i="1">
+                          <a:solidFill>
+                            <a:srgbClr val="7030A0"/>
+                          </a:solidFill>
+                          <a:latin typeface="Cambria Math" panose="02040503050406030204" pitchFamily="18" charset="0"/>
+                          <a:ea typeface="Cambria Math" panose="02040503050406030204" pitchFamily="18" charset="0"/>
+                        </a:rPr>
+                        <m:t>≡</m:t>
+                      </m:r>
+                      <m:sSub>
+                        <m:sSubPr>
+                          <m:ctrlPr>
+                            <a:rPr lang="en-US" sz="2400" i="1" smtClean="0">
+                              <a:solidFill>
+                                <a:srgbClr val="7030A0"/>
+                              </a:solidFill>
+                              <a:latin typeface="Cambria Math" panose="02040503050406030204" pitchFamily="18" charset="0"/>
+                            </a:rPr>
+                          </m:ctrlPr>
+                        </m:sSubPr>
+                        <m:e>
+                          <m:d>
+                            <m:dPr>
+                              <m:ctrlPr>
+                                <a:rPr lang="en-US" sz="2400" i="1">
+                                  <a:solidFill>
+                                    <a:srgbClr val="7030A0"/>
+                                  </a:solidFill>
+                                  <a:latin typeface="Cambria Math" panose="02040503050406030204" pitchFamily="18" charset="0"/>
+                                </a:rPr>
+                              </m:ctrlPr>
+                            </m:dPr>
+                            <m:e>
+                              <m:f>
+                                <m:fPr>
+                                  <m:ctrlPr>
+                                    <a:rPr lang="en-US" sz="2400" i="1">
+                                      <a:solidFill>
+                                        <a:srgbClr val="7030A0"/>
+                                      </a:solidFill>
+                                      <a:latin typeface="Cambria Math" panose="02040503050406030204" pitchFamily="18" charset="0"/>
+                                    </a:rPr>
+                                  </m:ctrlPr>
+                                </m:fPr>
+                                <m:num>
+                                  <m:r>
+                                    <a:rPr lang="en-US" sz="2400" i="1">
+                                      <a:solidFill>
+                                        <a:srgbClr val="7030A0"/>
+                                      </a:solidFill>
+                                      <a:latin typeface="Cambria Math" panose="02040503050406030204" pitchFamily="18" charset="0"/>
+                                      <a:ea typeface="Cambria Math" panose="02040503050406030204" pitchFamily="18" charset="0"/>
+                                    </a:rPr>
+                                    <m:t>𝜕</m:t>
+                                  </m:r>
+                                  <m:r>
+                                    <a:rPr lang="en-US" sz="2400" i="1">
+                                      <a:solidFill>
+                                        <a:srgbClr val="7030A0"/>
+                                      </a:solidFill>
+                                      <a:latin typeface="Cambria Math" panose="02040503050406030204" pitchFamily="18" charset="0"/>
+                                      <a:ea typeface="Cambria Math" panose="02040503050406030204" pitchFamily="18" charset="0"/>
+                                    </a:rPr>
+                                    <m:t>𝑈</m:t>
+                                  </m:r>
+                                </m:num>
+                                <m:den>
+                                  <m:r>
+                                    <a:rPr lang="en-US" sz="2400" i="1">
+                                      <a:solidFill>
+                                        <a:srgbClr val="7030A0"/>
+                                      </a:solidFill>
+                                      <a:latin typeface="Cambria Math" panose="02040503050406030204" pitchFamily="18" charset="0"/>
+                                      <a:ea typeface="Cambria Math" panose="02040503050406030204" pitchFamily="18" charset="0"/>
+                                    </a:rPr>
+                                    <m:t>𝜕</m:t>
+                                  </m:r>
+                                  <m:r>
+                                    <a:rPr lang="en-US" sz="2400" b="0" i="1" smtClean="0">
+                                      <a:solidFill>
+                                        <a:srgbClr val="7030A0"/>
+                                      </a:solidFill>
+                                      <a:latin typeface="Cambria Math" panose="02040503050406030204" pitchFamily="18" charset="0"/>
+                                      <a:ea typeface="Cambria Math" panose="02040503050406030204" pitchFamily="18" charset="0"/>
+                                    </a:rPr>
+                                    <m:t>𝑉</m:t>
+                                  </m:r>
+                                </m:den>
+                              </m:f>
+                            </m:e>
+                          </m:d>
+                        </m:e>
+                        <m:sub>
+                          <m:r>
+                            <a:rPr lang="en-US" sz="2400" b="0" i="1" smtClean="0">
+                              <a:solidFill>
+                                <a:srgbClr val="7030A0"/>
+                              </a:solidFill>
+                              <a:latin typeface="Cambria Math" panose="02040503050406030204" pitchFamily="18" charset="0"/>
+                              <a:ea typeface="Cambria Math" panose="02040503050406030204" pitchFamily="18" charset="0"/>
+                            </a:rPr>
+                            <m:t>𝑇</m:t>
+                          </m:r>
+                        </m:sub>
+                      </m:sSub>
+                    </m:oMath>
+                  </m:oMathPara>
+                </a14:m>
+                <a:endParaRPr lang="en-US" sz="2400" dirty="0"/>
+              </a:p>
+            </p:txBody>
+          </p:sp>
+        </mc:Choice>
+        <mc:Fallback>
+          <p:sp>
+            <p:nvSpPr>
+              <p:cNvPr id="3" name="Rectangle 2">
+                <a:extLst>
+                  <a:ext uri="{FF2B5EF4-FFF2-40B4-BE49-F238E27FC236}">
+                    <a16:creationId xmlns:a16="http://schemas.microsoft.com/office/drawing/2014/main" id="{8160DDE0-D068-BB05-7698-C9AC1D35FBC6}"/>
+                  </a:ext>
+                </a:extLst>
+              </p:cNvPr>
+              <p:cNvSpPr>
+                <a:spLocks noRot="1" noChangeAspect="1" noMove="1" noResize="1" noEditPoints="1" noAdjustHandles="1" noChangeArrowheads="1" noChangeShapeType="1" noTextEdit="1"/>
+              </p:cNvSpPr>
+              <p:nvPr/>
+            </p:nvSpPr>
+            <p:spPr>
+              <a:xfrm>
+                <a:off x="9411042" y="776769"/>
+                <a:ext cx="1866601" cy="850554"/>
+              </a:xfrm>
+              <a:prstGeom prst="rect">
+                <a:avLst/>
+              </a:prstGeom>
+              <a:blipFill>
+                <a:blip r:embed="rId4"/>
+                <a:stretch>
+                  <a:fillRect b="-2899"/>
+                </a:stretch>
+              </a:blipFill>
+            </p:spPr>
+            <p:txBody>
+              <a:bodyPr/>
+              <a:lstStyle/>
+              <a:p>
+                <a:r>
+                  <a:rPr lang="en-US">
+                    <a:noFill/>
+                  </a:rPr>
+                  <a:t> </a:t>
+                </a:r>
+              </a:p>
+            </p:txBody>
+          </p:sp>
+        </mc:Fallback>
+      </mc:AlternateContent>
     </p:spTree>
     <p:extLst>
       <p:ext uri="{BB962C8B-B14F-4D97-AF65-F5344CB8AC3E}">
@@ -6152,8 +6868,8 @@
           <a:chExt cx="0" cy="0"/>
         </a:xfrm>
       </p:grpSpPr>
-      <mc:AlternateContent xmlns:mc="http://schemas.openxmlformats.org/markup-compatibility/2006">
-        <mc:Choice xmlns:a14="http://schemas.microsoft.com/office/drawing/2010/main" Requires="a14">
+      <mc:AlternateContent xmlns:mc="http://schemas.openxmlformats.org/markup-compatibility/2006" xmlns:a14="http://schemas.microsoft.com/office/drawing/2010/main">
+        <mc:Choice Requires="a14">
           <p:sp>
             <p:nvSpPr>
               <p:cNvPr id="10" name="TextBox 9">
@@ -6241,7 +6957,7 @@
             </p:txBody>
           </p:sp>
         </mc:Choice>
-        <mc:Fallback>
+        <mc:Fallback xmlns="">
           <p:sp>
             <p:nvSpPr>
               <p:cNvPr id="10" name="TextBox 9">
@@ -6346,6 +7062,236 @@
           </a:prstGeom>
         </p:spPr>
       </p:pic>
+      <mc:AlternateContent xmlns:mc="http://schemas.openxmlformats.org/markup-compatibility/2006">
+        <mc:Choice xmlns:a14="http://schemas.microsoft.com/office/drawing/2010/main" Requires="a14">
+          <p:sp>
+            <p:nvSpPr>
+              <p:cNvPr id="4" name="Rectangle 3">
+                <a:extLst>
+                  <a:ext uri="{FF2B5EF4-FFF2-40B4-BE49-F238E27FC236}">
+                    <a16:creationId xmlns:a16="http://schemas.microsoft.com/office/drawing/2014/main" id="{D66BA108-9EFA-B46F-3B31-EE7E264E7DCA}"/>
+                  </a:ext>
+                </a:extLst>
+              </p:cNvPr>
+              <p:cNvSpPr/>
+              <p:nvPr/>
+            </p:nvSpPr>
+            <p:spPr>
+              <a:xfrm>
+                <a:off x="9411042" y="776769"/>
+                <a:ext cx="1866601" cy="850554"/>
+              </a:xfrm>
+              <a:prstGeom prst="rect">
+                <a:avLst/>
+              </a:prstGeom>
+            </p:spPr>
+            <p:txBody>
+              <a:bodyPr wrap="none">
+                <a:spAutoFit/>
+              </a:bodyPr>
+              <a:lstStyle/>
+              <a:p>
+                <a:pPr/>
+                <a14:m>
+                  <m:oMathPara xmlns:m="http://schemas.openxmlformats.org/officeDocument/2006/math">
+                    <m:oMathParaPr>
+                      <m:jc m:val="centerGroup"/>
+                    </m:oMathParaPr>
+                    <m:oMath xmlns:m="http://schemas.openxmlformats.org/officeDocument/2006/math">
+                      <m:sSub>
+                        <m:sSubPr>
+                          <m:ctrlPr>
+                            <a:rPr lang="en-US" sz="2400" i="1">
+                              <a:solidFill>
+                                <a:srgbClr val="7030A0"/>
+                              </a:solidFill>
+                              <a:latin typeface="Cambria Math" panose="02040503050406030204" pitchFamily="18" charset="0"/>
+                            </a:rPr>
+                          </m:ctrlPr>
+                        </m:sSubPr>
+                        <m:e>
+                          <m:r>
+                            <a:rPr lang="en-US" sz="2400" i="1">
+                              <a:solidFill>
+                                <a:srgbClr val="7030A0"/>
+                              </a:solidFill>
+                              <a:latin typeface="Cambria Math" panose="02040503050406030204" pitchFamily="18" charset="0"/>
+                              <a:ea typeface="Cambria Math" panose="02040503050406030204" pitchFamily="18" charset="0"/>
+                            </a:rPr>
+                            <m:t>𝜋</m:t>
+                          </m:r>
+                        </m:e>
+                        <m:sub>
+                          <m:r>
+                            <a:rPr lang="en-US" sz="2400" i="1">
+                              <a:solidFill>
+                                <a:srgbClr val="7030A0"/>
+                              </a:solidFill>
+                              <a:latin typeface="Cambria Math" panose="02040503050406030204" pitchFamily="18" charset="0"/>
+                            </a:rPr>
+                            <m:t>𝑇</m:t>
+                          </m:r>
+                        </m:sub>
+                      </m:sSub>
+                      <m:r>
+                        <a:rPr lang="en-US" sz="2400" i="1">
+                          <a:solidFill>
+                            <a:srgbClr val="7030A0"/>
+                          </a:solidFill>
+                          <a:latin typeface="Cambria Math" panose="02040503050406030204" pitchFamily="18" charset="0"/>
+                          <a:ea typeface="Cambria Math" panose="02040503050406030204" pitchFamily="18" charset="0"/>
+                        </a:rPr>
+                        <m:t>≡</m:t>
+                      </m:r>
+                      <m:sSub>
+                        <m:sSubPr>
+                          <m:ctrlPr>
+                            <a:rPr lang="en-US" sz="2400" i="1" smtClean="0">
+                              <a:solidFill>
+                                <a:srgbClr val="7030A0"/>
+                              </a:solidFill>
+                              <a:latin typeface="Cambria Math" panose="02040503050406030204" pitchFamily="18" charset="0"/>
+                            </a:rPr>
+                          </m:ctrlPr>
+                        </m:sSubPr>
+                        <m:e>
+                          <m:d>
+                            <m:dPr>
+                              <m:ctrlPr>
+                                <a:rPr lang="en-US" sz="2400" i="1">
+                                  <a:solidFill>
+                                    <a:srgbClr val="7030A0"/>
+                                  </a:solidFill>
+                                  <a:latin typeface="Cambria Math" panose="02040503050406030204" pitchFamily="18" charset="0"/>
+                                </a:rPr>
+                              </m:ctrlPr>
+                            </m:dPr>
+                            <m:e>
+                              <m:f>
+                                <m:fPr>
+                                  <m:ctrlPr>
+                                    <a:rPr lang="en-US" sz="2400" i="1">
+                                      <a:solidFill>
+                                        <a:srgbClr val="7030A0"/>
+                                      </a:solidFill>
+                                      <a:latin typeface="Cambria Math" panose="02040503050406030204" pitchFamily="18" charset="0"/>
+                                    </a:rPr>
+                                  </m:ctrlPr>
+                                </m:fPr>
+                                <m:num>
+                                  <m:r>
+                                    <a:rPr lang="en-US" sz="2400" i="1">
+                                      <a:solidFill>
+                                        <a:srgbClr val="7030A0"/>
+                                      </a:solidFill>
+                                      <a:latin typeface="Cambria Math" panose="02040503050406030204" pitchFamily="18" charset="0"/>
+                                      <a:ea typeface="Cambria Math" panose="02040503050406030204" pitchFamily="18" charset="0"/>
+                                    </a:rPr>
+                                    <m:t>𝜕</m:t>
+                                  </m:r>
+                                  <m:r>
+                                    <a:rPr lang="en-US" sz="2400" i="1">
+                                      <a:solidFill>
+                                        <a:srgbClr val="7030A0"/>
+                                      </a:solidFill>
+                                      <a:latin typeface="Cambria Math" panose="02040503050406030204" pitchFamily="18" charset="0"/>
+                                      <a:ea typeface="Cambria Math" panose="02040503050406030204" pitchFamily="18" charset="0"/>
+                                    </a:rPr>
+                                    <m:t>𝑈</m:t>
+                                  </m:r>
+                                </m:num>
+                                <m:den>
+                                  <m:r>
+                                    <a:rPr lang="en-US" sz="2400" i="1">
+                                      <a:solidFill>
+                                        <a:srgbClr val="7030A0"/>
+                                      </a:solidFill>
+                                      <a:latin typeface="Cambria Math" panose="02040503050406030204" pitchFamily="18" charset="0"/>
+                                      <a:ea typeface="Cambria Math" panose="02040503050406030204" pitchFamily="18" charset="0"/>
+                                    </a:rPr>
+                                    <m:t>𝜕</m:t>
+                                  </m:r>
+                                  <m:r>
+                                    <a:rPr lang="en-US" sz="2400" b="0" i="1" smtClean="0">
+                                      <a:solidFill>
+                                        <a:srgbClr val="7030A0"/>
+                                      </a:solidFill>
+                                      <a:latin typeface="Cambria Math" panose="02040503050406030204" pitchFamily="18" charset="0"/>
+                                      <a:ea typeface="Cambria Math" panose="02040503050406030204" pitchFamily="18" charset="0"/>
+                                    </a:rPr>
+                                    <m:t>𝑉</m:t>
+                                  </m:r>
+                                </m:den>
+                              </m:f>
+                            </m:e>
+                          </m:d>
+                        </m:e>
+                        <m:sub>
+                          <m:r>
+                            <a:rPr lang="en-US" sz="2400" b="0" i="1" smtClean="0">
+                              <a:solidFill>
+                                <a:srgbClr val="7030A0"/>
+                              </a:solidFill>
+                              <a:latin typeface="Cambria Math" panose="02040503050406030204" pitchFamily="18" charset="0"/>
+                              <a:ea typeface="Cambria Math" panose="02040503050406030204" pitchFamily="18" charset="0"/>
+                            </a:rPr>
+                            <m:t>𝑇</m:t>
+                          </m:r>
+                        </m:sub>
+                      </m:sSub>
+                    </m:oMath>
+                  </m:oMathPara>
+                </a14:m>
+                <a:endParaRPr lang="en-US" sz="2400" dirty="0"/>
+              </a:p>
+            </p:txBody>
+          </p:sp>
+        </mc:Choice>
+        <mc:Fallback>
+          <p:sp>
+            <p:nvSpPr>
+              <p:cNvPr id="4" name="Rectangle 3">
+                <a:extLst>
+                  <a:ext uri="{FF2B5EF4-FFF2-40B4-BE49-F238E27FC236}">
+                    <a16:creationId xmlns:a16="http://schemas.microsoft.com/office/drawing/2014/main" id="{D66BA108-9EFA-B46F-3B31-EE7E264E7DCA}"/>
+                  </a:ext>
+                </a:extLst>
+              </p:cNvPr>
+              <p:cNvSpPr>
+                <a:spLocks noRot="1" noChangeAspect="1" noMove="1" noResize="1" noEditPoints="1" noAdjustHandles="1" noChangeArrowheads="1" noChangeShapeType="1" noTextEdit="1"/>
+              </p:cNvSpPr>
+              <p:nvPr/>
+            </p:nvSpPr>
+            <p:spPr>
+              <a:xfrm>
+                <a:off x="9411042" y="776769"/>
+                <a:ext cx="1866601" cy="850554"/>
+              </a:xfrm>
+              <a:prstGeom prst="rect">
+                <a:avLst/>
+              </a:prstGeom>
+              <a:blipFill>
+                <a:blip r:embed="rId5"/>
+                <a:stretch>
+                  <a:fillRect b="-2899"/>
+                </a:stretch>
+              </a:blipFill>
+            </p:spPr>
+            <p:txBody>
+              <a:bodyPr/>
+              <a:lstStyle/>
+              <a:p>
+                <a:r>
+                  <a:rPr lang="en-US">
+                    <a:noFill/>
+                  </a:rPr>
+                  <a:t> </a:t>
+                </a:r>
+              </a:p>
+            </p:txBody>
+          </p:sp>
+        </mc:Fallback>
+      </mc:AlternateContent>
     </p:spTree>
     <p:extLst>
       <p:ext uri="{BB962C8B-B14F-4D97-AF65-F5344CB8AC3E}">
